--- a/Фридрих Ницше.pptx
+++ b/Фридрих Ницше.pptx
@@ -9,7 +9,8 @@
     <p:sldId id="257" r:id="rId3"/>
     <p:sldId id="258" r:id="rId4"/>
     <p:sldId id="260" r:id="rId5"/>
-    <p:sldId id="259" r:id="rId6"/>
+    <p:sldId id="261" r:id="rId6"/>
+    <p:sldId id="259" r:id="rId7"/>
   </p:sldIdLst>
   <p:sldSz cx="12192000" cy="6858000"/>
   <p:notesSz cx="6858000" cy="9144000"/>
@@ -108,6 +109,11 @@
       </a:defRPr>
     </a:lvl9pPr>
   </p:defaultTextStyle>
+  <p:extLst>
+    <p:ext uri="{EFAFB233-063F-42B5-8137-9DF3F51BA10A}">
+      <p15:sldGuideLst xmlns:p15="http://schemas.microsoft.com/office/powerpoint/2012/main"/>
+    </p:ext>
+  </p:extLst>
 </p:presentation>
 </file>
 
@@ -281,7 +287,7 @@
             <a:fld id="{87DE6118-2437-4B30-8E3C-4D2BE6020583}" type="datetimeFigureOut">
               <a:rPr lang="en-US" dirty="0"/>
               <a:pPr/>
-              <a:t>11/10/2022</a:t>
+              <a:t>11/11/2022</a:t>
             </a:fld>
             <a:endParaRPr lang="en-US" dirty="0"/>
           </a:p>
@@ -607,7 +613,7 @@
           <a:p>
             <a:fld id="{87DE6118-2437-4B30-8E3C-4D2BE6020583}" type="datetimeFigureOut">
               <a:rPr lang="en-US" dirty="0"/>
-              <a:t>11/10/2022</a:t>
+              <a:t>11/11/2022</a:t>
             </a:fld>
             <a:endParaRPr lang="en-US" dirty="0"/>
           </a:p>
@@ -782,7 +788,7 @@
           <a:p>
             <a:fld id="{87DE6118-2437-4B30-8E3C-4D2BE6020583}" type="datetimeFigureOut">
               <a:rPr lang="en-US" dirty="0"/>
-              <a:t>11/10/2022</a:t>
+              <a:t>11/11/2022</a:t>
             </a:fld>
             <a:endParaRPr lang="en-US" dirty="0"/>
           </a:p>
@@ -947,7 +953,7 @@
           <a:p>
             <a:fld id="{87DE6118-2437-4B30-8E3C-4D2BE6020583}" type="datetimeFigureOut">
               <a:rPr lang="en-US" dirty="0"/>
-              <a:t>11/10/2022</a:t>
+              <a:t>11/11/2022</a:t>
             </a:fld>
             <a:endParaRPr lang="en-US" dirty="0"/>
           </a:p>
@@ -1220,7 +1226,7 @@
             <a:fld id="{87DE6118-2437-4B30-8E3C-4D2BE6020583}" type="datetimeFigureOut">
               <a:rPr lang="en-US" dirty="0"/>
               <a:pPr/>
-              <a:t>11/10/2022</a:t>
+              <a:t>11/11/2022</a:t>
             </a:fld>
             <a:endParaRPr lang="en-US" dirty="0"/>
           </a:p>
@@ -1610,7 +1616,7 @@
           <a:p>
             <a:fld id="{87DE6118-2437-4B30-8E3C-4D2BE6020583}" type="datetimeFigureOut">
               <a:rPr lang="en-US" dirty="0"/>
-              <a:t>11/10/2022</a:t>
+              <a:t>11/11/2022</a:t>
             </a:fld>
             <a:endParaRPr lang="en-US" dirty="0"/>
           </a:p>
@@ -2082,7 +2088,7 @@
           <a:p>
             <a:fld id="{87DE6118-2437-4B30-8E3C-4D2BE6020583}" type="datetimeFigureOut">
               <a:rPr lang="en-US" dirty="0"/>
-              <a:t>11/10/2022</a:t>
+              <a:t>11/11/2022</a:t>
             </a:fld>
             <a:endParaRPr lang="en-US" dirty="0"/>
           </a:p>
@@ -2195,7 +2201,7 @@
           <a:p>
             <a:fld id="{87DE6118-2437-4B30-8E3C-4D2BE6020583}" type="datetimeFigureOut">
               <a:rPr lang="en-US" dirty="0"/>
-              <a:t>11/10/2022</a:t>
+              <a:t>11/11/2022</a:t>
             </a:fld>
             <a:endParaRPr lang="en-US" dirty="0"/>
           </a:p>
@@ -2285,7 +2291,7 @@
           <a:p>
             <a:fld id="{87DE6118-2437-4B30-8E3C-4D2BE6020583}" type="datetimeFigureOut">
               <a:rPr lang="en-US" dirty="0"/>
-              <a:t>11/10/2022</a:t>
+              <a:t>11/11/2022</a:t>
             </a:fld>
             <a:endParaRPr lang="en-US" dirty="0"/>
           </a:p>
@@ -2627,7 +2633,7 @@
             <a:fld id="{87DE6118-2437-4B30-8E3C-4D2BE6020583}" type="datetimeFigureOut">
               <a:rPr lang="en-US" dirty="0"/>
               <a:pPr/>
-              <a:t>11/10/2022</a:t>
+              <a:t>11/11/2022</a:t>
             </a:fld>
             <a:endParaRPr lang="en-US" dirty="0"/>
           </a:p>
@@ -3012,7 +3018,7 @@
             <a:fld id="{87DE6118-2437-4B30-8E3C-4D2BE6020583}" type="datetimeFigureOut">
               <a:rPr lang="en-US" dirty="0"/>
               <a:pPr/>
-              <a:t>11/10/2022</a:t>
+              <a:t>11/11/2022</a:t>
             </a:fld>
             <a:endParaRPr lang="en-US" dirty="0"/>
           </a:p>
@@ -3287,7 +3293,7 @@
             <a:fld id="{87DE6118-2437-4B30-8E3C-4D2BE6020583}" type="datetimeFigureOut">
               <a:rPr lang="en-US" dirty="0"/>
               <a:pPr/>
-              <a:t>11/10/2022</a:t>
+              <a:t>11/11/2022</a:t>
             </a:fld>
             <a:endParaRPr lang="en-US" dirty="0"/>
           </a:p>
@@ -4127,33 +4133,47 @@
             </a:r>
             <a:r>
               <a:rPr lang="ru-RU" sz="2400" dirty="0" smtClean="0"/>
-              <a:t>			  где изучал</a:t>
+              <a:t>			  где </a:t>
+            </a:r>
+            <a:r>
+              <a:rPr lang="ru-RU" sz="2400" dirty="0" smtClean="0"/>
+              <a:t>изучал</a:t>
             </a:r>
             <a:r>
               <a:rPr lang="ru-RU" sz="2400" dirty="0"/>
-              <a:t>	</a:t>
+              <a:t> </a:t>
             </a:r>
             <a:r>
               <a:rPr lang="ru-RU" sz="2400" dirty="0" smtClean="0"/>
-              <a:t>теологию и филологию, но </a:t>
-            </a:r>
-          </a:p>
-          <a:p>
+              <a:t>теологию </a:t>
+            </a:r>
+            <a:r>
+              <a:rPr lang="ru-RU" sz="2400" dirty="0" smtClean="0"/>
+              <a:t>и филологию, но </a:t>
+            </a:r>
+            <a:r>
+              <a:rPr lang="ru-RU" sz="2400" dirty="0" smtClean="0"/>
+              <a:t>потом 						    сменил </a:t>
+            </a:r>
+            <a:r>
+              <a:rPr lang="ru-RU" sz="2400" dirty="0" smtClean="0"/>
+              <a:t>университет </a:t>
+            </a:r>
+            <a:r>
+              <a:rPr lang="ru-RU" sz="2400" dirty="0" smtClean="0"/>
+              <a:t>на</a:t>
+            </a:r>
             <a:r>
               <a:rPr lang="ru-RU" sz="2400" dirty="0"/>
-              <a:t>	</a:t>
+              <a:t> </a:t>
             </a:r>
             <a:r>
               <a:rPr lang="ru-RU" sz="2400" dirty="0" smtClean="0"/>
-              <a:t>			   потом сменил университет на</a:t>
-            </a:r>
-            <a:r>
-              <a:rPr lang="ru-RU" sz="2400" dirty="0"/>
-              <a:t>	</a:t>
+              <a:t>Лейпцигский</a:t>
             </a:r>
             <a:r>
               <a:rPr lang="ru-RU" sz="2400" dirty="0" smtClean="0"/>
-              <a:t>Лейпцигский. </a:t>
+              <a:t>. </a:t>
             </a:r>
           </a:p>
           <a:p>
@@ -4272,6 +4292,249 @@
           <a:chExt cx="0" cy="0"/>
         </a:xfrm>
       </p:grpSpPr>
+      <p:pic>
+        <p:nvPicPr>
+          <p:cNvPr id="2" name="Рисунок 1"/>
+          <p:cNvPicPr>
+            <a:picLocks noChangeAspect="1"/>
+          </p:cNvPicPr>
+          <p:nvPr/>
+        </p:nvPicPr>
+        <p:blipFill>
+          <a:blip r:embed="rId2">
+            <a:extLst>
+              <a:ext uri="{28A0092B-C50C-407E-A947-70E740481C1C}">
+                <a14:useLocalDpi xmlns:a14="http://schemas.microsoft.com/office/drawing/2010/main" val="0"/>
+              </a:ext>
+            </a:extLst>
+          </a:blip>
+          <a:stretch>
+            <a:fillRect/>
+          </a:stretch>
+        </p:blipFill>
+        <p:spPr>
+          <a:xfrm>
+            <a:off x="8677643" y="139337"/>
+            <a:ext cx="3403708" cy="5090160"/>
+          </a:xfrm>
+          <a:prstGeom prst="ellipse">
+            <a:avLst/>
+          </a:prstGeom>
+          <a:ln w="63500" cap="rnd">
+            <a:solidFill>
+              <a:srgbClr val="333333"/>
+            </a:solidFill>
+          </a:ln>
+          <a:effectLst>
+            <a:outerShdw blurRad="381000" dist="292100" dir="5400000" sx="-80000" sy="-18000" rotWithShape="0">
+              <a:srgbClr val="000000">
+                <a:alpha val="22000"/>
+              </a:srgbClr>
+            </a:outerShdw>
+          </a:effectLst>
+          <a:scene3d>
+            <a:camera prst="orthographicFront"/>
+            <a:lightRig rig="contrasting" dir="t">
+              <a:rot lat="0" lon="0" rev="3000000"/>
+            </a:lightRig>
+          </a:scene3d>
+          <a:sp3d contourW="7620">
+            <a:bevelT w="95250" h="31750"/>
+            <a:contourClr>
+              <a:srgbClr val="333333"/>
+            </a:contourClr>
+          </a:sp3d>
+        </p:spPr>
+      </p:pic>
+      <p:sp>
+        <p:nvSpPr>
+          <p:cNvPr id="4" name="TextBox 3"/>
+          <p:cNvSpPr txBox="1"/>
+          <p:nvPr/>
+        </p:nvSpPr>
+        <p:spPr>
+          <a:xfrm>
+            <a:off x="1183341" y="564776"/>
+            <a:ext cx="7728911" cy="4154984"/>
+          </a:xfrm>
+          <a:prstGeom prst="rect">
+            <a:avLst/>
+          </a:prstGeom>
+          <a:noFill/>
+        </p:spPr>
+        <p:txBody>
+          <a:bodyPr wrap="none" rtlCol="0">
+            <a:spAutoFit/>
+          </a:bodyPr>
+          <a:lstStyle/>
+          <a:p>
+            <a:r>
+              <a:rPr lang="ru-RU" sz="2400" dirty="0"/>
+              <a:t>Ницше никогда не обладал крепким здоровьем. Уже с </a:t>
+            </a:r>
+            <a:endParaRPr lang="ru-RU" sz="2400" dirty="0" smtClean="0"/>
+          </a:p>
+          <a:p>
+            <a:r>
+              <a:rPr lang="ru-RU" sz="2400" dirty="0" smtClean="0"/>
+              <a:t>18 </a:t>
+            </a:r>
+            <a:r>
+              <a:rPr lang="ru-RU" sz="2400" dirty="0"/>
+              <a:t>лет он начал </a:t>
+            </a:r>
+            <a:r>
+              <a:rPr lang="ru-RU" sz="2400" dirty="0" smtClean="0"/>
+              <a:t>испытывать </a:t>
+            </a:r>
+            <a:r>
+              <a:rPr lang="ru-RU" sz="2400" dirty="0"/>
+              <a:t>сильные головные боли, </a:t>
+            </a:r>
+            <a:endParaRPr lang="ru-RU" sz="2400" dirty="0" smtClean="0"/>
+          </a:p>
+          <a:p>
+            <a:r>
+              <a:rPr lang="ru-RU" sz="2400" dirty="0" smtClean="0"/>
+              <a:t>тяжёлую </a:t>
+            </a:r>
+            <a:r>
+              <a:rPr lang="ru-RU" sz="2400" dirty="0"/>
+              <a:t>бессонницу, а к 30 годам </a:t>
+            </a:r>
+            <a:endParaRPr lang="en-US" sz="2400" dirty="0" smtClean="0"/>
+          </a:p>
+          <a:p>
+            <a:r>
+              <a:rPr lang="ru-RU" sz="2400" dirty="0" smtClean="0"/>
+              <a:t>испытал </a:t>
+            </a:r>
+            <a:r>
+              <a:rPr lang="ru-RU" sz="2400" dirty="0"/>
+              <a:t>резкое ухудшение здоровья. Он почти ослеп, </a:t>
+            </a:r>
+            <a:endParaRPr lang="ru-RU" sz="2400" dirty="0" smtClean="0"/>
+          </a:p>
+          <a:p>
+            <a:r>
+              <a:rPr lang="ru-RU" sz="2400" dirty="0" smtClean="0"/>
+              <a:t>у </a:t>
+            </a:r>
+            <a:r>
+              <a:rPr lang="ru-RU" sz="2400" dirty="0"/>
+              <a:t>него были </a:t>
+            </a:r>
+            <a:r>
+              <a:rPr lang="ru-RU" sz="2400" dirty="0" smtClean="0"/>
+              <a:t>невыносимые </a:t>
+            </a:r>
+            <a:r>
+              <a:rPr lang="ru-RU" sz="2400" dirty="0"/>
+              <a:t>головные боли и бессонница</a:t>
+            </a:r>
+            <a:r>
+              <a:rPr lang="ru-RU" sz="2400" dirty="0" smtClean="0"/>
+              <a:t>,</a:t>
+            </a:r>
+          </a:p>
+          <a:p>
+            <a:r>
+              <a:rPr lang="ru-RU" sz="2400" dirty="0" smtClean="0"/>
+              <a:t> </a:t>
+            </a:r>
+            <a:r>
+              <a:rPr lang="ru-RU" sz="2400" dirty="0"/>
+              <a:t>которые он лечил опиатами</a:t>
+            </a:r>
+            <a:r>
+              <a:rPr lang="ru-RU" sz="2400" dirty="0" smtClean="0"/>
+              <a:t>, </a:t>
+            </a:r>
+            <a:r>
+              <a:rPr lang="ru-RU" sz="2400" dirty="0"/>
+              <a:t>а также проблемы с </a:t>
+            </a:r>
+            <a:endParaRPr lang="ru-RU" sz="2400" dirty="0" smtClean="0"/>
+          </a:p>
+          <a:p>
+            <a:r>
+              <a:rPr lang="ru-RU" sz="2400" dirty="0" smtClean="0"/>
+              <a:t>желудком</a:t>
+            </a:r>
+            <a:r>
+              <a:rPr lang="ru-RU" sz="2400" dirty="0"/>
+              <a:t>. 2 мая 1879 года он оставил </a:t>
+            </a:r>
+            <a:r>
+              <a:rPr lang="ru-RU" sz="2400" dirty="0" smtClean="0"/>
+              <a:t>преподавание</a:t>
+            </a:r>
+            <a:endParaRPr lang="en-US" sz="2400" dirty="0" smtClean="0"/>
+          </a:p>
+          <a:p>
+            <a:r>
+              <a:rPr lang="ru-RU" sz="2400" dirty="0" smtClean="0"/>
+              <a:t> </a:t>
+            </a:r>
+            <a:r>
+              <a:rPr lang="ru-RU" sz="2400" dirty="0"/>
+              <a:t>в университете, получив пенсию с годовым </a:t>
+            </a:r>
+            <a:endParaRPr lang="ru-RU" sz="2400" dirty="0" smtClean="0"/>
+          </a:p>
+          <a:p>
+            <a:r>
+              <a:rPr lang="ru-RU" sz="2400" dirty="0" smtClean="0"/>
+              <a:t>содержанием </a:t>
+            </a:r>
+            <a:r>
+              <a:rPr lang="ru-RU" sz="2400" dirty="0"/>
+              <a:t>3000 </a:t>
+            </a:r>
+            <a:r>
+              <a:rPr lang="ru-RU" sz="2400" dirty="0" smtClean="0"/>
+              <a:t>франков. Его </a:t>
+            </a:r>
+            <a:r>
+              <a:rPr lang="ru-RU" sz="2400" dirty="0"/>
+              <a:t>дальнейшая жизнь </a:t>
+            </a:r>
+            <a:endParaRPr lang="ru-RU" sz="2400" dirty="0" smtClean="0"/>
+          </a:p>
+          <a:p>
+            <a:r>
+              <a:rPr lang="ru-RU" sz="2400" dirty="0" smtClean="0"/>
+              <a:t>стала </a:t>
+            </a:r>
+            <a:r>
+              <a:rPr lang="ru-RU" sz="2400" dirty="0"/>
+              <a:t>борьбой с болезнью, вопреки которой </a:t>
+            </a:r>
+            <a:r>
+              <a:rPr lang="ru-RU" sz="2400" dirty="0" smtClean="0"/>
+              <a:t>он</a:t>
+            </a:r>
+            <a:r>
+              <a:rPr lang="ru-RU" sz="2400" dirty="0"/>
+              <a:t> </a:t>
+            </a:r>
+            <a:r>
+              <a:rPr lang="ru-RU" sz="2400" dirty="0" smtClean="0"/>
+              <a:t>писал </a:t>
+            </a:r>
+          </a:p>
+          <a:p>
+            <a:r>
+              <a:rPr lang="ru-RU" sz="2400" dirty="0" smtClean="0"/>
+              <a:t>свои </a:t>
+            </a:r>
+            <a:r>
+              <a:rPr lang="ru-RU" sz="2400" dirty="0"/>
+              <a:t>произведения.</a:t>
+            </a:r>
+          </a:p>
+        </p:txBody>
+      </p:sp>
     </p:spTree>
     <p:extLst>
       <p:ext uri="{BB962C8B-B14F-4D97-AF65-F5344CB8AC3E}">
@@ -4302,6 +4565,120 @@
           <a:chExt cx="0" cy="0"/>
         </a:xfrm>
       </p:grpSpPr>
+      <p:pic>
+        <p:nvPicPr>
+          <p:cNvPr id="2" name="Рисунок 1"/>
+          <p:cNvPicPr>
+            <a:picLocks noChangeAspect="1"/>
+          </p:cNvPicPr>
+          <p:nvPr/>
+        </p:nvPicPr>
+        <p:blipFill>
+          <a:blip r:embed="rId2">
+            <a:extLst>
+              <a:ext uri="{28A0092B-C50C-407E-A947-70E740481C1C}">
+                <a14:useLocalDpi xmlns:a14="http://schemas.microsoft.com/office/drawing/2010/main" val="0"/>
+              </a:ext>
+            </a:extLst>
+          </a:blip>
+          <a:stretch>
+            <a:fillRect/>
+          </a:stretch>
+        </p:blipFill>
+        <p:spPr>
+          <a:xfrm>
+            <a:off x="6464060" y="60960"/>
+            <a:ext cx="5533629" cy="3982321"/>
+          </a:xfrm>
+          <a:prstGeom prst="ellipse">
+            <a:avLst/>
+          </a:prstGeom>
+          <a:ln w="63500" cap="rnd">
+            <a:solidFill>
+              <a:srgbClr val="333333"/>
+            </a:solidFill>
+          </a:ln>
+          <a:effectLst>
+            <a:outerShdw blurRad="381000" dist="292100" dir="5400000" sx="-80000" sy="-18000" rotWithShape="0">
+              <a:srgbClr val="000000">
+                <a:alpha val="22000"/>
+              </a:srgbClr>
+            </a:outerShdw>
+          </a:effectLst>
+          <a:scene3d>
+            <a:camera prst="orthographicFront"/>
+            <a:lightRig rig="contrasting" dir="t">
+              <a:rot lat="0" lon="0" rev="3000000"/>
+            </a:lightRig>
+          </a:scene3d>
+          <a:sp3d contourW="7620">
+            <a:bevelT w="95250" h="31750"/>
+            <a:contourClr>
+              <a:srgbClr val="333333"/>
+            </a:contourClr>
+          </a:sp3d>
+        </p:spPr>
+      </p:pic>
+      <p:pic>
+        <p:nvPicPr>
+          <p:cNvPr id="3" name="Рисунок 2"/>
+          <p:cNvPicPr>
+            <a:picLocks noChangeAspect="1"/>
+          </p:cNvPicPr>
+          <p:nvPr/>
+        </p:nvPicPr>
+        <p:blipFill>
+          <a:blip r:embed="rId3">
+            <a:extLst>
+              <a:ext uri="{28A0092B-C50C-407E-A947-70E740481C1C}">
+                <a14:useLocalDpi xmlns:a14="http://schemas.microsoft.com/office/drawing/2010/main" val="0"/>
+              </a:ext>
+            </a:extLst>
+          </a:blip>
+          <a:stretch>
+            <a:fillRect/>
+          </a:stretch>
+        </p:blipFill>
+        <p:spPr>
+          <a:xfrm>
+            <a:off x="9230874" y="833845"/>
+            <a:ext cx="534651" cy="534651"/>
+          </a:xfrm>
+          <a:prstGeom prst="rect">
+            <a:avLst/>
+          </a:prstGeom>
+        </p:spPr>
+      </p:pic>
+    </p:spTree>
+    <p:extLst>
+      <p:ext uri="{BB962C8B-B14F-4D97-AF65-F5344CB8AC3E}">
+        <p14:creationId xmlns:p14="http://schemas.microsoft.com/office/powerpoint/2010/main" val="2506996906"/>
+      </p:ext>
+    </p:extLst>
+  </p:cSld>
+  <p:clrMapOvr>
+    <a:masterClrMapping/>
+  </p:clrMapOvr>
+</p:sld>
+</file>
+
+<file path=ppt/slides/slide6.xml><?xml version="1.0" encoding="utf-8"?>
+<p:sld xmlns:a="http://schemas.openxmlformats.org/drawingml/2006/main" xmlns:r="http://schemas.openxmlformats.org/officeDocument/2006/relationships" xmlns:p="http://schemas.openxmlformats.org/presentationml/2006/main">
+  <p:cSld>
+    <p:spTree>
+      <p:nvGrpSpPr>
+        <p:cNvPr id="1" name=""/>
+        <p:cNvGrpSpPr/>
+        <p:nvPr/>
+      </p:nvGrpSpPr>
+      <p:grpSpPr>
+        <a:xfrm>
+          <a:off x="0" y="0"/>
+          <a:ext cx="0" cy="0"/>
+          <a:chOff x="0" y="0"/>
+          <a:chExt cx="0" cy="0"/>
+        </a:xfrm>
+      </p:grpSpPr>
       <p:sp>
         <p:nvSpPr>
           <p:cNvPr id="2" name="Заголовок 1"/>
@@ -4355,6 +4732,88 @@
           <a:xfrm>
             <a:off x="4794828" y="3013910"/>
             <a:ext cx="2457450" cy="2857500"/>
+          </a:xfrm>
+          <a:prstGeom prst="rect">
+            <a:avLst/>
+          </a:prstGeom>
+          <a:noFill/>
+          <a:extLst>
+            <a:ext uri="{909E8E84-426E-40DD-AFC4-6F175D3DCCD1}">
+              <a14:hiddenFill xmlns:a14="http://schemas.microsoft.com/office/drawing/2010/main">
+                <a:solidFill>
+                  <a:srgbClr val="FFFFFF"/>
+                </a:solidFill>
+              </a14:hiddenFill>
+            </a:ext>
+          </a:extLst>
+        </p:spPr>
+      </p:pic>
+      <p:pic>
+        <p:nvPicPr>
+          <p:cNvPr id="3" name="Picture 2" descr="Создать мем &quot;афоризмы ницше, ницше факты, ницше философ&quot; - Картинки -  Meme-arsenal.com"/>
+          <p:cNvPicPr>
+            <a:picLocks noChangeAspect="1" noChangeArrowheads="1"/>
+          </p:cNvPicPr>
+          <p:nvPr/>
+        </p:nvPicPr>
+        <p:blipFill>
+          <a:blip r:embed="rId3">
+            <a:extLst>
+              <a:ext uri="{28A0092B-C50C-407E-A947-70E740481C1C}">
+                <a14:useLocalDpi xmlns:a14="http://schemas.microsoft.com/office/drawing/2010/main" val="0"/>
+              </a:ext>
+            </a:extLst>
+          </a:blip>
+          <a:srcRect/>
+          <a:stretch>
+            <a:fillRect/>
+          </a:stretch>
+        </p:blipFill>
+        <p:spPr bwMode="auto">
+          <a:xfrm>
+            <a:off x="808718" y="766604"/>
+            <a:ext cx="330230" cy="173921"/>
+          </a:xfrm>
+          <a:prstGeom prst="rect">
+            <a:avLst/>
+          </a:prstGeom>
+          <a:noFill/>
+          <a:extLst>
+            <a:ext uri="{909E8E84-426E-40DD-AFC4-6F175D3DCCD1}">
+              <a14:hiddenFill xmlns:a14="http://schemas.microsoft.com/office/drawing/2010/main">
+                <a:solidFill>
+                  <a:srgbClr val="FFFFFF"/>
+                </a:solidFill>
+              </a14:hiddenFill>
+            </a:ext>
+          </a:extLst>
+        </p:spPr>
+      </p:pic>
+      <p:pic>
+        <p:nvPicPr>
+          <p:cNvPr id="1028" name="Picture 4" descr="Да, я слышал про смерть Бога Странно, что Ницше не упомянул, что через три  дня Он воскрес, Мем ГигаЧад"/>
+          <p:cNvPicPr>
+            <a:picLocks noChangeAspect="1" noChangeArrowheads="1"/>
+          </p:cNvPicPr>
+          <p:nvPr/>
+        </p:nvPicPr>
+        <p:blipFill>
+          <a:blip r:embed="rId4">
+            <a:extLst>
+              <a:ext uri="{28A0092B-C50C-407E-A947-70E740481C1C}">
+                <a14:useLocalDpi xmlns:a14="http://schemas.microsoft.com/office/drawing/2010/main" val="0"/>
+              </a:ext>
+            </a:extLst>
+          </a:blip>
+          <a:srcRect/>
+          <a:stretch>
+            <a:fillRect/>
+          </a:stretch>
+        </p:blipFill>
+        <p:spPr bwMode="auto">
+          <a:xfrm>
+            <a:off x="11180626" y="5871410"/>
+            <a:ext cx="175351" cy="192558"/>
           </a:xfrm>
           <a:prstGeom prst="rect">
             <a:avLst/>
